--- a/images/templates/template_3to2.pptx
+++ b/images/templates/template_3to2.pptx
@@ -104,6 +104,11 @@
       </a:defRPr>
     </a:lvl9pPr>
   </p:defaultTextStyle>
+  <p:extLst>
+    <p:ext uri="{EFAFB233-063F-42B5-8137-9DF3F51BA10A}">
+      <p15:sldGuideLst xmlns:p15="http://schemas.microsoft.com/office/powerpoint/2012/main"/>
+    </p:ext>
+  </p:extLst>
 </p:presentation>
 </file>
 
@@ -238,7 +243,7 @@
           <a:p>
             <a:fld id="{D2FF8F54-F126-4843-8534-CC228F7E8392}" type="datetimeFigureOut">
               <a:rPr lang="en-US" smtClean="0"/>
-              <a:t>7/30/23</a:t>
+              <a:t>10/10/24</a:t>
             </a:fld>
             <a:endParaRPr lang="en-US"/>
           </a:p>
@@ -408,7 +413,7 @@
           <a:p>
             <a:fld id="{D2FF8F54-F126-4843-8534-CC228F7E8392}" type="datetimeFigureOut">
               <a:rPr lang="en-US" smtClean="0"/>
-              <a:t>7/30/23</a:t>
+              <a:t>10/10/24</a:t>
             </a:fld>
             <a:endParaRPr lang="en-US"/>
           </a:p>
@@ -588,7 +593,7 @@
           <a:p>
             <a:fld id="{D2FF8F54-F126-4843-8534-CC228F7E8392}" type="datetimeFigureOut">
               <a:rPr lang="en-US" smtClean="0"/>
-              <a:t>7/30/23</a:t>
+              <a:t>10/10/24</a:t>
             </a:fld>
             <a:endParaRPr lang="en-US"/>
           </a:p>
@@ -758,7 +763,7 @@
           <a:p>
             <a:fld id="{D2FF8F54-F126-4843-8534-CC228F7E8392}" type="datetimeFigureOut">
               <a:rPr lang="en-US" smtClean="0"/>
-              <a:t>7/30/23</a:t>
+              <a:t>10/10/24</a:t>
             </a:fld>
             <a:endParaRPr lang="en-US"/>
           </a:p>
@@ -1002,7 +1007,7 @@
           <a:p>
             <a:fld id="{D2FF8F54-F126-4843-8534-CC228F7E8392}" type="datetimeFigureOut">
               <a:rPr lang="en-US" smtClean="0"/>
-              <a:t>7/30/23</a:t>
+              <a:t>10/10/24</a:t>
             </a:fld>
             <a:endParaRPr lang="en-US"/>
           </a:p>
@@ -1234,7 +1239,7 @@
           <a:p>
             <a:fld id="{D2FF8F54-F126-4843-8534-CC228F7E8392}" type="datetimeFigureOut">
               <a:rPr lang="en-US" smtClean="0"/>
-              <a:t>7/30/23</a:t>
+              <a:t>10/10/24</a:t>
             </a:fld>
             <a:endParaRPr lang="en-US"/>
           </a:p>
@@ -1601,7 +1606,7 @@
           <a:p>
             <a:fld id="{D2FF8F54-F126-4843-8534-CC228F7E8392}" type="datetimeFigureOut">
               <a:rPr lang="en-US" smtClean="0"/>
-              <a:t>7/30/23</a:t>
+              <a:t>10/10/24</a:t>
             </a:fld>
             <a:endParaRPr lang="en-US"/>
           </a:p>
@@ -1719,7 +1724,7 @@
           <a:p>
             <a:fld id="{D2FF8F54-F126-4843-8534-CC228F7E8392}" type="datetimeFigureOut">
               <a:rPr lang="en-US" smtClean="0"/>
-              <a:t>7/30/23</a:t>
+              <a:t>10/10/24</a:t>
             </a:fld>
             <a:endParaRPr lang="en-US"/>
           </a:p>
@@ -1814,7 +1819,7 @@
           <a:p>
             <a:fld id="{D2FF8F54-F126-4843-8534-CC228F7E8392}" type="datetimeFigureOut">
               <a:rPr lang="en-US" smtClean="0"/>
-              <a:t>7/30/23</a:t>
+              <a:t>10/10/24</a:t>
             </a:fld>
             <a:endParaRPr lang="en-US"/>
           </a:p>
@@ -2091,7 +2096,7 @@
           <a:p>
             <a:fld id="{D2FF8F54-F126-4843-8534-CC228F7E8392}" type="datetimeFigureOut">
               <a:rPr lang="en-US" smtClean="0"/>
-              <a:t>7/30/23</a:t>
+              <a:t>10/10/24</a:t>
             </a:fld>
             <a:endParaRPr lang="en-US"/>
           </a:p>
@@ -2348,7 +2353,7 @@
           <a:p>
             <a:fld id="{D2FF8F54-F126-4843-8534-CC228F7E8392}" type="datetimeFigureOut">
               <a:rPr lang="en-US" smtClean="0"/>
-              <a:t>7/30/23</a:t>
+              <a:t>10/10/24</a:t>
             </a:fld>
             <a:endParaRPr lang="en-US"/>
           </a:p>
@@ -2561,7 +2566,7 @@
           <a:p>
             <a:fld id="{D2FF8F54-F126-4843-8534-CC228F7E8392}" type="datetimeFigureOut">
               <a:rPr lang="en-US" smtClean="0"/>
-              <a:t>7/30/23</a:t>
+              <a:t>10/10/24</a:t>
             </a:fld>
             <a:endParaRPr lang="en-US"/>
           </a:p>
@@ -2966,6 +2971,35 @@
           <a:chExt cx="0" cy="0"/>
         </a:xfrm>
       </p:grpSpPr>
+      <p:pic>
+        <p:nvPicPr>
+          <p:cNvPr id="3" name="Picture 2" descr="A graph of a graph of a function&#10;&#10;Description automatically generated with medium confidence">
+            <a:extLst>
+              <a:ext uri="{FF2B5EF4-FFF2-40B4-BE49-F238E27FC236}">
+                <a16:creationId xmlns:a16="http://schemas.microsoft.com/office/drawing/2014/main" id="{958C366F-81B0-8A1F-43EB-70D54D2C0FE9}"/>
+              </a:ext>
+            </a:extLst>
+          </p:cNvPr>
+          <p:cNvPicPr>
+            <a:picLocks noChangeAspect="1"/>
+          </p:cNvPicPr>
+          <p:nvPr/>
+        </p:nvPicPr>
+        <p:blipFill>
+          <a:blip r:embed="rId2"/>
+          <a:srcRect l="2057"/>
+          <a:stretch/>
+        </p:blipFill>
+        <p:spPr>
+          <a:xfrm>
+            <a:off x="56444" y="346785"/>
+            <a:ext cx="5373511" cy="2964030"/>
+          </a:xfrm>
+          <a:prstGeom prst="rect">
+            <a:avLst/>
+          </a:prstGeom>
+        </p:spPr>
+      </p:pic>
     </p:spTree>
     <p:extLst>
       <p:ext uri="{BB962C8B-B14F-4D97-AF65-F5344CB8AC3E}">
